--- a/IJCAI_20_Tutorial_Website/bg_header.pptx
+++ b/IJCAI_20_Tutorial_Website/bg_header.pptx
@@ -6,6 +6,7 @@
   </p:sldMasterIdLst>
   <p:sldIdLst>
     <p:sldId id="259" r:id="rId2"/>
+    <p:sldId id="260" r:id="rId3"/>
   </p:sldIdLst>
   <p:sldSz cx="27432000" cy="6858000"/>
   <p:notesSz cx="6858000" cy="9144000"/>
@@ -2957,6 +2958,574 @@
 </file>
 
 <file path=ppt/slides/slide1.xml><?xml version="1.0" encoding="utf-8"?>
+<p:sld xmlns:a="http://schemas.openxmlformats.org/drawingml/2006/main" xmlns:r="http://schemas.openxmlformats.org/officeDocument/2006/relationships" xmlns:p="http://schemas.openxmlformats.org/presentationml/2006/main">
+  <p:cSld>
+    <p:spTree>
+      <p:nvGrpSpPr>
+        <p:cNvPr id="1" name=""/>
+        <p:cNvGrpSpPr/>
+        <p:nvPr/>
+      </p:nvGrpSpPr>
+      <p:grpSpPr>
+        <a:xfrm>
+          <a:off x="0" y="0"/>
+          <a:ext cx="0" cy="0"/>
+          <a:chOff x="0" y="0"/>
+          <a:chExt cx="0" cy="0"/>
+        </a:xfrm>
+      </p:grpSpPr>
+      <p:sp>
+        <p:nvSpPr>
+          <p:cNvPr id="4" name="Rectangle 3"/>
+          <p:cNvSpPr/>
+          <p:nvPr/>
+        </p:nvSpPr>
+        <p:spPr>
+          <a:xfrm>
+            <a:off x="2381250" y="697346"/>
+            <a:ext cx="18598203" cy="4179453"/>
+          </a:xfrm>
+          <a:prstGeom prst="rect">
+            <a:avLst/>
+          </a:prstGeom>
+          <a:solidFill>
+            <a:schemeClr val="accent2">
+              <a:lumMod val="20000"/>
+              <a:lumOff val="80000"/>
+            </a:schemeClr>
+          </a:solidFill>
+          <a:effectLst>
+            <a:outerShdw blurRad="50800" dist="38100" dir="18900000" algn="bl" rotWithShape="0">
+              <a:prstClr val="black">
+                <a:alpha val="40000"/>
+              </a:prstClr>
+            </a:outerShdw>
+            <a:reflection blurRad="6350" stA="52000" endA="300" endPos="35000" dir="5400000" sy="-100000" algn="bl" rotWithShape="0"/>
+          </a:effectLst>
+          <a:scene3d>
+            <a:camera prst="orthographicFront">
+              <a:rot lat="0" lon="0" rev="0"/>
+            </a:camera>
+            <a:lightRig rig="threePt" dir="t">
+              <a:rot lat="0" lon="0" rev="1200000"/>
+            </a:lightRig>
+          </a:scene3d>
+          <a:sp3d/>
+        </p:spPr>
+        <p:style>
+          <a:lnRef idx="0">
+            <a:schemeClr val="accent5"/>
+          </a:lnRef>
+          <a:fillRef idx="3">
+            <a:schemeClr val="accent5"/>
+          </a:fillRef>
+          <a:effectRef idx="3">
+            <a:schemeClr val="accent5"/>
+          </a:effectRef>
+          <a:fontRef idx="minor">
+            <a:schemeClr val="lt1"/>
+          </a:fontRef>
+        </p:style>
+        <p:txBody>
+          <a:bodyPr rtlCol="0" anchor="ctr"/>
+          <a:lstStyle/>
+          <a:p>
+            <a:pPr algn="ctr"/>
+            <a:endParaRPr lang="en-US" dirty="0"/>
+          </a:p>
+        </p:txBody>
+      </p:sp>
+      <p:sp>
+        <p:nvSpPr>
+          <p:cNvPr id="5" name="Rectangle 4"/>
+          <p:cNvSpPr/>
+          <p:nvPr/>
+        </p:nvSpPr>
+        <p:spPr>
+          <a:xfrm>
+            <a:off x="2560764" y="864992"/>
+            <a:ext cx="4089838" cy="1846659"/>
+          </a:xfrm>
+          <a:prstGeom prst="rect">
+            <a:avLst/>
+          </a:prstGeom>
+          <a:noFill/>
+        </p:spPr>
+        <p:txBody>
+          <a:bodyPr wrap="none" lIns="91440" tIns="45720" rIns="91440" bIns="45720">
+            <a:spAutoFit/>
+          </a:bodyPr>
+          <a:lstStyle/>
+          <a:p>
+            <a:pPr algn="ctr"/>
+            <a:r>
+              <a:rPr lang="en-US" altLang="zh-CN" sz="5400" b="1" dirty="0">
+                <a:ln w="17780" cmpd="sng">
+                  <a:solidFill>
+                    <a:schemeClr val="accent1">
+                      <a:tint val="3000"/>
+                    </a:schemeClr>
+                  </a:solidFill>
+                  <a:prstDash val="solid"/>
+                  <a:miter lim="800000"/>
+                </a:ln>
+                <a:solidFill>
+                  <a:schemeClr val="accent1">
+                    <a:lumMod val="75000"/>
+                  </a:schemeClr>
+                </a:solidFill>
+                <a:effectLst>
+                  <a:outerShdw blurRad="55000" dist="50800" dir="5400000" algn="tl">
+                    <a:srgbClr val="000000">
+                      <a:alpha val="33000"/>
+                    </a:srgbClr>
+                  </a:outerShdw>
+                </a:effectLst>
+                <a:latin typeface="Cooper Black" panose="0208090404030B020404" pitchFamily="18" charset="0"/>
+              </a:rPr>
+              <a:t>IJCAI 2020</a:t>
+            </a:r>
+          </a:p>
+          <a:p>
+            <a:pPr algn="ctr"/>
+            <a:r>
+              <a:rPr lang="en-US" sz="6000" b="1" dirty="0">
+                <a:ln w="17780" cmpd="sng">
+                  <a:solidFill>
+                    <a:schemeClr val="accent1">
+                      <a:tint val="3000"/>
+                    </a:schemeClr>
+                  </a:solidFill>
+                  <a:prstDash val="solid"/>
+                  <a:miter lim="800000"/>
+                </a:ln>
+                <a:solidFill>
+                  <a:schemeClr val="accent1">
+                    <a:lumMod val="75000"/>
+                  </a:schemeClr>
+                </a:solidFill>
+                <a:effectLst>
+                  <a:outerShdw blurRad="55000" dist="50800" dir="5400000" algn="tl">
+                    <a:srgbClr val="000000">
+                      <a:alpha val="33000"/>
+                    </a:srgbClr>
+                  </a:outerShdw>
+                </a:effectLst>
+                <a:latin typeface="Cooper Black" panose="0208090404030B020404" pitchFamily="18" charset="0"/>
+              </a:rPr>
+              <a:t> </a:t>
+            </a:r>
+            <a:r>
+              <a:rPr lang="en-US" sz="6000" b="1" baseline="30000" dirty="0">
+                <a:ln w="17780" cmpd="sng">
+                  <a:solidFill>
+                    <a:schemeClr val="accent1">
+                      <a:tint val="3000"/>
+                    </a:schemeClr>
+                  </a:solidFill>
+                  <a:prstDash val="solid"/>
+                  <a:miter lim="800000"/>
+                </a:ln>
+                <a:solidFill>
+                  <a:schemeClr val="accent1">
+                    <a:lumMod val="75000"/>
+                  </a:schemeClr>
+                </a:solidFill>
+                <a:effectLst>
+                  <a:outerShdw blurRad="55000" dist="50800" dir="5400000" algn="tl">
+                    <a:srgbClr val="000000">
+                      <a:alpha val="33000"/>
+                    </a:srgbClr>
+                  </a:outerShdw>
+                </a:effectLst>
+                <a:latin typeface="Cooper Black" panose="0208090404030B020404" pitchFamily="18" charset="0"/>
+              </a:rPr>
+              <a:t>Tutorial</a:t>
+            </a:r>
+          </a:p>
+        </p:txBody>
+      </p:sp>
+      <p:sp>
+        <p:nvSpPr>
+          <p:cNvPr id="6" name="Rectangle 5"/>
+          <p:cNvSpPr/>
+          <p:nvPr/>
+        </p:nvSpPr>
+        <p:spPr>
+          <a:xfrm>
+            <a:off x="16426541" y="3904150"/>
+            <a:ext cx="4200381" cy="707886"/>
+          </a:xfrm>
+          <a:prstGeom prst="rect">
+            <a:avLst/>
+          </a:prstGeom>
+          <a:noFill/>
+          <a:ln>
+            <a:noFill/>
+          </a:ln>
+          <a:effectLst>
+            <a:outerShdw blurRad="190500" dist="228600" dir="2700000" algn="ctr">
+              <a:srgbClr val="000000">
+                <a:alpha val="30000"/>
+              </a:srgbClr>
+            </a:outerShdw>
+          </a:effectLst>
+          <a:scene3d>
+            <a:camera prst="orthographicFront">
+              <a:rot lat="0" lon="0" rev="0"/>
+            </a:camera>
+            <a:lightRig rig="glow" dir="t">
+              <a:rot lat="0" lon="0" rev="4800000"/>
+            </a:lightRig>
+          </a:scene3d>
+          <a:sp3d prstMaterial="matte">
+            <a:bevelT w="127000" h="63500"/>
+          </a:sp3d>
+        </p:spPr>
+        <p:txBody>
+          <a:bodyPr wrap="none" lIns="91440" tIns="45720" rIns="91440" bIns="45720">
+            <a:spAutoFit/>
+            <a:scene3d>
+              <a:camera prst="orthographicFront"/>
+              <a:lightRig rig="balanced" dir="t">
+                <a:rot lat="0" lon="0" rev="2100000"/>
+              </a:lightRig>
+            </a:scene3d>
+            <a:sp3d extrusionH="57150" prstMaterial="metal">
+              <a:bevelT w="38100" h="25400"/>
+              <a:contourClr>
+                <a:schemeClr val="bg2"/>
+              </a:contourClr>
+            </a:sp3d>
+          </a:bodyPr>
+          <a:lstStyle/>
+          <a:p>
+            <a:pPr algn="ctr"/>
+            <a:r>
+              <a:rPr lang="en-US" altLang="zh-CN" sz="4000" b="1" i="1" dirty="0">
+                <a:ln w="50800"/>
+                <a:latin typeface="Palatino Linotype" panose="02040502050505030304" pitchFamily="18" charset="0"/>
+              </a:rPr>
+              <a:t>Yokohama</a:t>
+            </a:r>
+            <a:r>
+              <a:rPr lang="en-US" sz="4000" b="1" i="1" dirty="0">
+                <a:ln w="50800"/>
+                <a:latin typeface="Palatino Linotype" panose="02040502050505030304" pitchFamily="18" charset="0"/>
+              </a:rPr>
+              <a:t>, </a:t>
+            </a:r>
+            <a:r>
+              <a:rPr lang="en-US" altLang="zh-CN" sz="4000" b="1" i="1" dirty="0">
+                <a:ln w="50800"/>
+                <a:latin typeface="Palatino Linotype" panose="02040502050505030304" pitchFamily="18" charset="0"/>
+              </a:rPr>
+              <a:t>Japan</a:t>
+            </a:r>
+            <a:endParaRPr lang="en-US" sz="4000" b="1" i="1" dirty="0">
+              <a:ln w="50800"/>
+              <a:effectLst>
+                <a:outerShdw blurRad="50800" dist="38100" dir="18900000" algn="bl" rotWithShape="0">
+                  <a:prstClr val="black">
+                    <a:alpha val="40000"/>
+                  </a:prstClr>
+                </a:outerShdw>
+              </a:effectLst>
+              <a:latin typeface="Palatino Linotype" panose="02040502050505030304" pitchFamily="18" charset="0"/>
+            </a:endParaRPr>
+          </a:p>
+        </p:txBody>
+      </p:sp>
+      <p:sp>
+        <p:nvSpPr>
+          <p:cNvPr id="23" name="Rectangle 22"/>
+          <p:cNvSpPr/>
+          <p:nvPr/>
+        </p:nvSpPr>
+        <p:spPr>
+          <a:xfrm>
+            <a:off x="2560764" y="3521941"/>
+            <a:ext cx="8615613" cy="1323439"/>
+          </a:xfrm>
+          <a:prstGeom prst="rect">
+            <a:avLst/>
+          </a:prstGeom>
+          <a:noFill/>
+          <a:ln>
+            <a:noFill/>
+          </a:ln>
+          <a:effectLst>
+            <a:outerShdw blurRad="190500" dist="228600" dir="2700000" algn="ctr">
+              <a:srgbClr val="000000">
+                <a:alpha val="30000"/>
+              </a:srgbClr>
+            </a:outerShdw>
+          </a:effectLst>
+          <a:scene3d>
+            <a:camera prst="orthographicFront">
+              <a:rot lat="0" lon="0" rev="0"/>
+            </a:camera>
+            <a:lightRig rig="glow" dir="t">
+              <a:rot lat="0" lon="0" rev="4800000"/>
+            </a:lightRig>
+          </a:scene3d>
+          <a:sp3d prstMaterial="matte">
+            <a:bevelT w="127000" h="63500"/>
+          </a:sp3d>
+        </p:spPr>
+        <p:txBody>
+          <a:bodyPr wrap="square" lIns="91440" tIns="45720" rIns="91440" bIns="45720">
+            <a:spAutoFit/>
+          </a:bodyPr>
+          <a:lstStyle/>
+          <a:p>
+            <a:r>
+              <a:rPr lang="en-US" altLang="zh-CN" sz="4400" b="1" dirty="0">
+                <a:solidFill>
+                  <a:srgbClr val="C00000"/>
+                </a:solidFill>
+                <a:latin typeface="Monotype Corsiva" panose="03010101010201010101" pitchFamily="66" charset="0"/>
+                <a:ea typeface="微软雅黑 Light" panose="020B0502040204020203" pitchFamily="34" charset="-122"/>
+              </a:rPr>
+              <a:t>Robust</a:t>
+            </a:r>
+            <a:r>
+              <a:rPr lang="zh-CN" altLang="en-US" sz="4400" b="1" dirty="0">
+                <a:solidFill>
+                  <a:srgbClr val="C00000"/>
+                </a:solidFill>
+                <a:latin typeface="Monotype Corsiva" panose="03010101010201010101" pitchFamily="66" charset="0"/>
+                <a:ea typeface="微软雅黑 Light" panose="020B0502040204020203" pitchFamily="34" charset="-122"/>
+              </a:rPr>
+              <a:t> </a:t>
+            </a:r>
+            <a:r>
+              <a:rPr lang="en-US" sz="4400" b="1" dirty="0">
+                <a:solidFill>
+                  <a:srgbClr val="C00000"/>
+                </a:solidFill>
+                <a:latin typeface="Monotype Corsiva" panose="03010101010201010101" pitchFamily="66" charset="0"/>
+                <a:ea typeface="微软雅黑 Light" panose="020B0502040204020203" pitchFamily="34" charset="-122"/>
+              </a:rPr>
+              <a:t>Multi-view Visual </a:t>
+            </a:r>
+            <a:r>
+              <a:rPr lang="zh-CN" altLang="en-US" sz="4400" b="1" dirty="0">
+                <a:solidFill>
+                  <a:srgbClr val="C00000"/>
+                </a:solidFill>
+                <a:latin typeface="Monotype Corsiva" panose="03010101010201010101" pitchFamily="66" charset="0"/>
+                <a:ea typeface="微软雅黑 Light" panose="020B0502040204020203" pitchFamily="34" charset="-122"/>
+              </a:rPr>
+              <a:t> </a:t>
+            </a:r>
+            <a:r>
+              <a:rPr lang="en-US" altLang="zh-CN" sz="4400" b="1" dirty="0">
+                <a:solidFill>
+                  <a:srgbClr val="C00000"/>
+                </a:solidFill>
+                <a:latin typeface="Monotype Corsiva" panose="03010101010201010101" pitchFamily="66" charset="0"/>
+                <a:ea typeface="微软雅黑 Light" panose="020B0502040204020203" pitchFamily="34" charset="-122"/>
+              </a:rPr>
+              <a:t>Learning</a:t>
+            </a:r>
+          </a:p>
+          <a:p>
+            <a:r>
+              <a:rPr lang="en-US" sz="3600" dirty="0">
+                <a:solidFill>
+                  <a:schemeClr val="accent2">
+                    <a:lumMod val="75000"/>
+                  </a:schemeClr>
+                </a:solidFill>
+                <a:latin typeface="Monotype Corsiva" panose="03010101010201010101" pitchFamily="66" charset="0"/>
+                <a:ea typeface="微软雅黑 Light" panose="020B0502040204020203" pitchFamily="34" charset="-122"/>
+              </a:rPr>
+              <a:t>A Knowledge Flow Perspective</a:t>
+            </a:r>
+          </a:p>
+        </p:txBody>
+      </p:sp>
+      <p:pic>
+        <p:nvPicPr>
+          <p:cNvPr id="22" name="Picture 2" descr="https://upload-images.jianshu.io/upload_images/7272470-d9b20d77fd77fdea?imageMogr2/auto-orient/strip%7CimageView2/2/w/500">
+            <a:extLst>
+              <a:ext uri="{FF2B5EF4-FFF2-40B4-BE49-F238E27FC236}">
+                <a16:creationId xmlns:a16="http://schemas.microsoft.com/office/drawing/2014/main" id="{C3949782-E184-104C-A636-8D04AAE1AE53}"/>
+              </a:ext>
+            </a:extLst>
+          </p:cNvPr>
+          <p:cNvPicPr>
+            <a:picLocks noChangeAspect="1" noChangeArrowheads="1"/>
+          </p:cNvPicPr>
+          <p:nvPr/>
+        </p:nvPicPr>
+        <p:blipFill>
+          <a:blip r:embed="rId2">
+            <a:extLst>
+              <a:ext uri="{28A0092B-C50C-407E-A947-70E740481C1C}">
+                <a14:useLocalDpi xmlns:a14="http://schemas.microsoft.com/office/drawing/2010/main" val="0"/>
+              </a:ext>
+            </a:extLst>
+          </a:blip>
+          <a:srcRect/>
+          <a:stretch>
+            <a:fillRect/>
+          </a:stretch>
+        </p:blipFill>
+        <p:spPr bwMode="auto">
+          <a:xfrm>
+            <a:off x="12306393" y="745472"/>
+            <a:ext cx="2677514" cy="3750542"/>
+          </a:xfrm>
+          <a:prstGeom prst="rect">
+            <a:avLst/>
+          </a:prstGeom>
+          <a:ln>
+            <a:noFill/>
+          </a:ln>
+          <a:effectLst>
+            <a:softEdge rad="112500"/>
+          </a:effectLst>
+          <a:extLst>
+            <a:ext uri="{909E8E84-426E-40DD-AFC4-6F175D3DCCD1}">
+              <a14:hiddenFill xmlns:a14="http://schemas.microsoft.com/office/drawing/2010/main">
+                <a:solidFill>
+                  <a:srgbClr val="FFFFFF"/>
+                </a:solidFill>
+              </a14:hiddenFill>
+            </a:ext>
+          </a:extLst>
+        </p:spPr>
+      </p:pic>
+      <p:pic>
+        <p:nvPicPr>
+          <p:cNvPr id="24" name="Picture 2" descr="ãblind men and the elephantãçåçæå°çµæ">
+            <a:extLst>
+              <a:ext uri="{FF2B5EF4-FFF2-40B4-BE49-F238E27FC236}">
+                <a16:creationId xmlns:a16="http://schemas.microsoft.com/office/drawing/2014/main" id="{9E526739-8071-ED4A-95C7-35D560E2D7AB}"/>
+              </a:ext>
+            </a:extLst>
+          </p:cNvPr>
+          <p:cNvPicPr>
+            <a:picLocks noChangeAspect="1" noChangeArrowheads="1"/>
+          </p:cNvPicPr>
+          <p:nvPr/>
+        </p:nvPicPr>
+        <p:blipFill>
+          <a:blip r:embed="rId3">
+            <a:clrChange>
+              <a:clrFrom>
+                <a:srgbClr val="F2F2F2"/>
+              </a:clrFrom>
+              <a:clrTo>
+                <a:srgbClr val="F2F2F2">
+                  <a:alpha val="0"/>
+                </a:srgbClr>
+              </a:clrTo>
+            </a:clrChange>
+            <a:extLst>
+              <a:ext uri="{28A0092B-C50C-407E-A947-70E740481C1C}">
+                <a14:useLocalDpi xmlns:a14="http://schemas.microsoft.com/office/drawing/2010/main" val="0"/>
+              </a:ext>
+            </a:extLst>
+          </a:blip>
+          <a:srcRect/>
+          <a:stretch>
+            <a:fillRect/>
+          </a:stretch>
+        </p:blipFill>
+        <p:spPr bwMode="auto">
+          <a:xfrm>
+            <a:off x="15296525" y="836380"/>
+            <a:ext cx="5255623" cy="3265300"/>
+          </a:xfrm>
+          <a:prstGeom prst="rect">
+            <a:avLst/>
+          </a:prstGeom>
+          <a:noFill/>
+          <a:extLst>
+            <a:ext uri="{909E8E84-426E-40DD-AFC4-6F175D3DCCD1}">
+              <a14:hiddenFill xmlns:a14="http://schemas.microsoft.com/office/drawing/2010/main">
+                <a:solidFill>
+                  <a:srgbClr val="FFFFFF"/>
+                </a:solidFill>
+              </a14:hiddenFill>
+            </a:ext>
+          </a:extLst>
+        </p:spPr>
+      </p:pic>
+      <p:pic>
+        <p:nvPicPr>
+          <p:cNvPr id="25" name="Picture 2" descr="Image result for perspective">
+            <a:extLst>
+              <a:ext uri="{FF2B5EF4-FFF2-40B4-BE49-F238E27FC236}">
+                <a16:creationId xmlns:a16="http://schemas.microsoft.com/office/drawing/2014/main" id="{32DFAEA6-9556-5348-B9DF-93D551C0F5FF}"/>
+              </a:ext>
+            </a:extLst>
+          </p:cNvPr>
+          <p:cNvPicPr>
+            <a:picLocks noChangeAspect="1" noChangeArrowheads="1"/>
+          </p:cNvPicPr>
+          <p:nvPr/>
+        </p:nvPicPr>
+        <p:blipFill>
+          <a:blip r:embed="rId4">
+            <a:clrChange>
+              <a:clrFrom>
+                <a:srgbClr val="FFFFFF"/>
+              </a:clrFrom>
+              <a:clrTo>
+                <a:srgbClr val="FFFFFF">
+                  <a:alpha val="0"/>
+                </a:srgbClr>
+              </a:clrTo>
+            </a:clrChange>
+            <a:extLst>
+              <a:ext uri="{28A0092B-C50C-407E-A947-70E740481C1C}">
+                <a14:useLocalDpi xmlns:a14="http://schemas.microsoft.com/office/drawing/2010/main" val="0"/>
+              </a:ext>
+            </a:extLst>
+          </a:blip>
+          <a:srcRect/>
+          <a:stretch>
+            <a:fillRect/>
+          </a:stretch>
+        </p:blipFill>
+        <p:spPr bwMode="auto">
+          <a:xfrm>
+            <a:off x="7589770" y="997583"/>
+            <a:ext cx="4245332" cy="2431417"/>
+          </a:xfrm>
+          <a:prstGeom prst="rect">
+            <a:avLst/>
+          </a:prstGeom>
+          <a:noFill/>
+          <a:extLst>
+            <a:ext uri="{909E8E84-426E-40DD-AFC4-6F175D3DCCD1}">
+              <a14:hiddenFill xmlns:a14="http://schemas.microsoft.com/office/drawing/2010/main">
+                <a:solidFill>
+                  <a:srgbClr val="FFFFFF"/>
+                </a:solidFill>
+              </a14:hiddenFill>
+            </a:ext>
+          </a:extLst>
+        </p:spPr>
+      </p:pic>
+    </p:spTree>
+    <p:extLst>
+      <p:ext uri="{BB962C8B-B14F-4D97-AF65-F5344CB8AC3E}">
+        <p14:creationId xmlns:p14="http://schemas.microsoft.com/office/powerpoint/2010/main" val="3425531279"/>
+      </p:ext>
+    </p:extLst>
+  </p:cSld>
+  <p:clrMapOvr>
+    <a:masterClrMapping/>
+  </p:clrMapOvr>
+</p:sld>
+</file>
+
+<file path=ppt/slides/slide2.xml><?xml version="1.0" encoding="utf-8"?>
 <p:sld xmlns:a="http://schemas.openxmlformats.org/drawingml/2006/main" xmlns:r="http://schemas.openxmlformats.org/officeDocument/2006/relationships" xmlns:p="http://schemas.openxmlformats.org/presentationml/2006/main">
   <p:cSld>
     <p:spTree>
@@ -3751,7 +4320,7 @@
     </p:spTree>
     <p:extLst>
       <p:ext uri="{BB962C8B-B14F-4D97-AF65-F5344CB8AC3E}">
-        <p14:creationId xmlns:p14="http://schemas.microsoft.com/office/powerpoint/2010/main" val="3425531279"/>
+        <p14:creationId xmlns:p14="http://schemas.microsoft.com/office/powerpoint/2010/main" val="2834590753"/>
       </p:ext>
     </p:extLst>
   </p:cSld>
